--- a/slides/MPI/MPI-collectives.pptx
+++ b/slides/MPI/MPI-collectives.pptx
@@ -5,10 +5,10 @@
     <p:sldMasterId id="2147483648" r:id="rId1"/>
   </p:sldMasterIdLst>
   <p:notesMasterIdLst>
-    <p:notesMasterId r:id="rId19"/>
+    <p:notesMasterId r:id="rId16"/>
   </p:notesMasterIdLst>
   <p:handoutMasterIdLst>
-    <p:handoutMasterId r:id="rId20"/>
+    <p:handoutMasterId r:id="rId17"/>
   </p:handoutMasterIdLst>
   <p:sldIdLst>
     <p:sldId id="311" r:id="rId2"/>
@@ -25,9 +25,6 @@
     <p:sldId id="270" r:id="rId13"/>
     <p:sldId id="271" r:id="rId14"/>
     <p:sldId id="272" r:id="rId15"/>
-    <p:sldId id="312" r:id="rId16"/>
-    <p:sldId id="314" r:id="rId17"/>
-    <p:sldId id="315" r:id="rId18"/>
   </p:sldIdLst>
   <p:sldSz cx="9144000" cy="6858000" type="screen4x3"/>
   <p:notesSz cx="7010400" cy="9296400"/>
@@ -8038,372 +8035,6 @@
       </p:par>
     </p:tnLst>
   </p:timing>
-</p:sld>
-</file>
-
-<file path=ppt/slides/slide15.xml><?xml version="1.0" encoding="utf-8"?>
-<p:sld xmlns:a="http://schemas.openxmlformats.org/drawingml/2006/main" xmlns:r="http://schemas.openxmlformats.org/officeDocument/2006/relationships" xmlns:p="http://schemas.openxmlformats.org/presentationml/2006/main">
-  <p:cSld>
-    <p:spTree>
-      <p:nvGrpSpPr>
-        <p:cNvPr id="1" name=""/>
-        <p:cNvGrpSpPr/>
-        <p:nvPr/>
-      </p:nvGrpSpPr>
-      <p:grpSpPr>
-        <a:xfrm>
-          <a:off x="0" y="0"/>
-          <a:ext cx="0" cy="0"/>
-          <a:chOff x="0" y="0"/>
-          <a:chExt cx="0" cy="0"/>
-        </a:xfrm>
-      </p:grpSpPr>
-      <p:sp>
-        <p:nvSpPr>
-          <p:cNvPr id="2" name="Title 1"/>
-          <p:cNvSpPr>
-            <a:spLocks noGrp="1"/>
-          </p:cNvSpPr>
-          <p:nvPr>
-            <p:ph type="title"/>
-          </p:nvPr>
-        </p:nvSpPr>
-        <p:spPr/>
-        <p:txBody>
-          <a:bodyPr/>
-          <a:lstStyle/>
-          <a:p>
-            <a:r>
-              <a:rPr lang="en-US" dirty="0" smtClean="0"/>
-              <a:t>A word about implementation</a:t>
-            </a:r>
-            <a:endParaRPr lang="en-US" dirty="0"/>
-          </a:p>
-        </p:txBody>
-      </p:sp>
-      <p:sp>
-        <p:nvSpPr>
-          <p:cNvPr id="3" name="Content Placeholder 2"/>
-          <p:cNvSpPr>
-            <a:spLocks noGrp="1"/>
-          </p:cNvSpPr>
-          <p:nvPr>
-            <p:ph idx="1"/>
-          </p:nvPr>
-        </p:nvSpPr>
-        <p:spPr/>
-        <p:txBody>
-          <a:bodyPr/>
-          <a:lstStyle/>
-          <a:p>
-            <a:endParaRPr lang="en-US"/>
-          </a:p>
-        </p:txBody>
-      </p:sp>
-      <p:sp>
-        <p:nvSpPr>
-          <p:cNvPr id="4" name="Slide Number Placeholder 3"/>
-          <p:cNvSpPr>
-            <a:spLocks noGrp="1"/>
-          </p:cNvSpPr>
-          <p:nvPr>
-            <p:ph type="sldNum" sz="quarter" idx="12"/>
-          </p:nvPr>
-        </p:nvSpPr>
-        <p:spPr/>
-        <p:txBody>
-          <a:bodyPr/>
-          <a:lstStyle/>
-          <a:p>
-            <a:fld id="{7B90F24A-6679-4F21-A41E-0DBEFD6DC596}" type="slidenum">
-              <a:rPr lang="en-US" smtClean="0"/>
-              <a:pPr/>
-              <a:t>15</a:t>
-            </a:fld>
-            <a:endParaRPr lang="en-US"/>
-          </a:p>
-        </p:txBody>
-      </p:sp>
-    </p:spTree>
-    <p:extLst>
-      <p:ext uri="{BB962C8B-B14F-4D97-AF65-F5344CB8AC3E}">
-        <p14:creationId xmlns:p14="http://schemas.microsoft.com/office/powerpoint/2010/main" val="3398287014"/>
-      </p:ext>
-    </p:extLst>
-  </p:cSld>
-  <p:clrMapOvr>
-    <a:masterClrMapping/>
-  </p:clrMapOvr>
-</p:sld>
-</file>
-
-<file path=ppt/slides/slide16.xml><?xml version="1.0" encoding="utf-8"?>
-<p:sld xmlns:a="http://schemas.openxmlformats.org/drawingml/2006/main" xmlns:r="http://schemas.openxmlformats.org/officeDocument/2006/relationships" xmlns:p="http://schemas.openxmlformats.org/presentationml/2006/main">
-  <p:cSld>
-    <p:spTree>
-      <p:nvGrpSpPr>
-        <p:cNvPr id="1" name=""/>
-        <p:cNvGrpSpPr/>
-        <p:nvPr/>
-      </p:nvGrpSpPr>
-      <p:grpSpPr>
-        <a:xfrm>
-          <a:off x="0" y="0"/>
-          <a:ext cx="0" cy="0"/>
-          <a:chOff x="0" y="0"/>
-          <a:chExt cx="0" cy="0"/>
-        </a:xfrm>
-      </p:grpSpPr>
-      <p:sp>
-        <p:nvSpPr>
-          <p:cNvPr id="2" name="Title 1"/>
-          <p:cNvSpPr>
-            <a:spLocks noGrp="1"/>
-          </p:cNvSpPr>
-          <p:nvPr>
-            <p:ph type="title"/>
-          </p:nvPr>
-        </p:nvSpPr>
-        <p:spPr/>
-        <p:txBody>
-          <a:bodyPr/>
-          <a:lstStyle/>
-          <a:p>
-            <a:r>
-              <a:rPr lang="en-US" dirty="0" smtClean="0"/>
-              <a:t>How do you do a broadcast?</a:t>
-            </a:r>
-            <a:endParaRPr lang="en-US" dirty="0"/>
-          </a:p>
-        </p:txBody>
-      </p:sp>
-      <p:sp>
-        <p:nvSpPr>
-          <p:cNvPr id="3" name="Content Placeholder 2"/>
-          <p:cNvSpPr>
-            <a:spLocks noGrp="1"/>
-          </p:cNvSpPr>
-          <p:nvPr>
-            <p:ph idx="1"/>
-          </p:nvPr>
-        </p:nvSpPr>
-        <p:spPr>
-          <a:xfrm>
-            <a:off x="457200" y="4876800"/>
-            <a:ext cx="8229600" cy="1249363"/>
-          </a:xfrm>
-        </p:spPr>
-        <p:txBody>
-          <a:bodyPr/>
-          <a:lstStyle/>
-          <a:p>
-            <a:r>
-              <a:rPr lang="en-US" dirty="0" smtClean="0"/>
-              <a:t>Complexity?</a:t>
-            </a:r>
-            <a:endParaRPr lang="en-US" dirty="0"/>
-          </a:p>
-        </p:txBody>
-      </p:sp>
-      <p:sp>
-        <p:nvSpPr>
-          <p:cNvPr id="4" name="Slide Number Placeholder 3"/>
-          <p:cNvSpPr>
-            <a:spLocks noGrp="1"/>
-          </p:cNvSpPr>
-          <p:nvPr>
-            <p:ph type="sldNum" sz="quarter" idx="12"/>
-          </p:nvPr>
-        </p:nvSpPr>
-        <p:spPr/>
-        <p:txBody>
-          <a:bodyPr/>
-          <a:lstStyle/>
-          <a:p>
-            <a:fld id="{7B90F24A-6679-4F21-A41E-0DBEFD6DC596}" type="slidenum">
-              <a:rPr lang="en-US" smtClean="0"/>
-              <a:pPr/>
-              <a:t>16</a:t>
-            </a:fld>
-            <a:endParaRPr lang="en-US"/>
-          </a:p>
-        </p:txBody>
-      </p:sp>
-      <p:pic>
-        <p:nvPicPr>
-          <p:cNvPr id="5" name="Picture 4" descr="bcast-simple.jpeg"/>
-          <p:cNvPicPr>
-            <a:picLocks noChangeAspect="1"/>
-          </p:cNvPicPr>
-          <p:nvPr/>
-        </p:nvPicPr>
-        <p:blipFill>
-          <a:blip r:embed="rId2" cstate="print">
-            <a:extLst>
-              <a:ext uri="{28A0092B-C50C-407E-A947-70E740481C1C}">
-                <a14:useLocalDpi xmlns:a14="http://schemas.microsoft.com/office/drawing/2010/main" val="0"/>
-              </a:ext>
-            </a:extLst>
-          </a:blip>
-          <a:stretch>
-            <a:fillRect/>
-          </a:stretch>
-        </p:blipFill>
-        <p:spPr>
-          <a:xfrm>
-            <a:off x="0" y="2781300"/>
-            <a:ext cx="9144000" cy="1276908"/>
-          </a:xfrm>
-          <a:prstGeom prst="rect">
-            <a:avLst/>
-          </a:prstGeom>
-        </p:spPr>
-      </p:pic>
-    </p:spTree>
-    <p:extLst>
-      <p:ext uri="{BB962C8B-B14F-4D97-AF65-F5344CB8AC3E}">
-        <p14:creationId xmlns:p14="http://schemas.microsoft.com/office/powerpoint/2010/main" val="484891609"/>
-      </p:ext>
-    </p:extLst>
-  </p:cSld>
-  <p:clrMapOvr>
-    <a:masterClrMapping/>
-  </p:clrMapOvr>
-</p:sld>
-</file>
-
-<file path=ppt/slides/slide17.xml><?xml version="1.0" encoding="utf-8"?>
-<p:sld xmlns:a="http://schemas.openxmlformats.org/drawingml/2006/main" xmlns:r="http://schemas.openxmlformats.org/officeDocument/2006/relationships" xmlns:p="http://schemas.openxmlformats.org/presentationml/2006/main">
-  <p:cSld>
-    <p:spTree>
-      <p:nvGrpSpPr>
-        <p:cNvPr id="1" name=""/>
-        <p:cNvGrpSpPr/>
-        <p:nvPr/>
-      </p:nvGrpSpPr>
-      <p:grpSpPr>
-        <a:xfrm>
-          <a:off x="0" y="0"/>
-          <a:ext cx="0" cy="0"/>
-          <a:chOff x="0" y="0"/>
-          <a:chExt cx="0" cy="0"/>
-        </a:xfrm>
-      </p:grpSpPr>
-      <p:sp>
-        <p:nvSpPr>
-          <p:cNvPr id="2" name="Title 1"/>
-          <p:cNvSpPr>
-            <a:spLocks noGrp="1"/>
-          </p:cNvSpPr>
-          <p:nvPr>
-            <p:ph type="title"/>
-          </p:nvPr>
-        </p:nvSpPr>
-        <p:spPr/>
-        <p:txBody>
-          <a:bodyPr/>
-          <a:lstStyle/>
-          <a:p>
-            <a:r>
-              <a:rPr lang="en-US" dirty="0" smtClean="0"/>
-              <a:t>How really to do a broadcast</a:t>
-            </a:r>
-            <a:endParaRPr lang="en-US" dirty="0"/>
-          </a:p>
-        </p:txBody>
-      </p:sp>
-      <p:sp>
-        <p:nvSpPr>
-          <p:cNvPr id="3" name="Content Placeholder 2"/>
-          <p:cNvSpPr>
-            <a:spLocks noGrp="1"/>
-          </p:cNvSpPr>
-          <p:nvPr>
-            <p:ph idx="1"/>
-          </p:nvPr>
-        </p:nvSpPr>
-        <p:spPr>
-          <a:xfrm>
-            <a:off x="457200" y="4876800"/>
-            <a:ext cx="8229600" cy="1249363"/>
-          </a:xfrm>
-        </p:spPr>
-        <p:txBody>
-          <a:bodyPr/>
-          <a:lstStyle/>
-          <a:p>
-            <a:r>
-              <a:rPr lang="en-US" dirty="0" smtClean="0"/>
-              <a:t>Complexity?</a:t>
-            </a:r>
-            <a:endParaRPr lang="en-US" dirty="0"/>
-          </a:p>
-        </p:txBody>
-      </p:sp>
-      <p:sp>
-        <p:nvSpPr>
-          <p:cNvPr id="4" name="Slide Number Placeholder 3"/>
-          <p:cNvSpPr>
-            <a:spLocks noGrp="1"/>
-          </p:cNvSpPr>
-          <p:nvPr>
-            <p:ph type="sldNum" sz="quarter" idx="12"/>
-          </p:nvPr>
-        </p:nvSpPr>
-        <p:spPr/>
-        <p:txBody>
-          <a:bodyPr/>
-          <a:lstStyle/>
-          <a:p>
-            <a:fld id="{7B90F24A-6679-4F21-A41E-0DBEFD6DC596}" type="slidenum">
-              <a:rPr lang="en-US" smtClean="0"/>
-              <a:pPr/>
-              <a:t>17</a:t>
-            </a:fld>
-            <a:endParaRPr lang="en-US"/>
-          </a:p>
-        </p:txBody>
-      </p:sp>
-      <p:pic>
-        <p:nvPicPr>
-          <p:cNvPr id="6" name="Picture 5" descr="bcast-tree.jpeg"/>
-          <p:cNvPicPr>
-            <a:picLocks noChangeAspect="1"/>
-          </p:cNvPicPr>
-          <p:nvPr/>
-        </p:nvPicPr>
-        <p:blipFill>
-          <a:blip r:embed="rId2" cstate="print">
-            <a:extLst>
-              <a:ext uri="{28A0092B-C50C-407E-A947-70E740481C1C}">
-                <a14:useLocalDpi xmlns:a14="http://schemas.microsoft.com/office/drawing/2010/main" val="0"/>
-              </a:ext>
-            </a:extLst>
-          </a:blip>
-          <a:stretch>
-            <a:fillRect/>
-          </a:stretch>
-        </p:blipFill>
-        <p:spPr>
-          <a:xfrm>
-            <a:off x="0" y="2438400"/>
-            <a:ext cx="9144000" cy="1961820"/>
-          </a:xfrm>
-          <a:prstGeom prst="rect">
-            <a:avLst/>
-          </a:prstGeom>
-        </p:spPr>
-      </p:pic>
-    </p:spTree>
-    <p:extLst>
-      <p:ext uri="{BB962C8B-B14F-4D97-AF65-F5344CB8AC3E}">
-        <p14:creationId xmlns:p14="http://schemas.microsoft.com/office/powerpoint/2010/main" val="1519810685"/>
-      </p:ext>
-    </p:extLst>
-  </p:cSld>
-  <p:clrMapOvr>
-    <a:masterClrMapping/>
-  </p:clrMapOvr>
 </p:sld>
 </file>
 
